--- a/Lecture/2501Lesson06.pptx
+++ b/Lecture/2501Lesson06.pptx
@@ -231,7 +231,7 @@
             <a:fld id="{8A944D03-84CA-47A5-BA56-7A83BAF17CB0}" type="datetimeFigureOut">
               <a:rPr lang="en-CA" smtClean="0"/>
               <a:pPr/>
-              <a:t>2022-05-18</a:t>
+              <a:t>2022-07-01</a:t>
             </a:fld>
             <a:endParaRPr lang="en-CA"/>
           </a:p>
@@ -650,7 +650,7 @@
             <a:fld id="{817130FC-7485-4DCD-A9E6-0647831CE9F8}" type="datetime1">
               <a:rPr lang="en-US" smtClean="0"/>
               <a:pPr/>
-              <a:t>5/18/2022</a:t>
+              <a:t>7/1/2022</a:t>
             </a:fld>
             <a:endParaRPr lang="en-US" dirty="0"/>
           </a:p>
@@ -856,7 +856,7 @@
             <a:fld id="{6E24E381-F3D5-46CF-8BFC-AF1E100D37A1}" type="datetime1">
               <a:rPr lang="en-US" smtClean="0"/>
               <a:pPr/>
-              <a:t>5/18/2022</a:t>
+              <a:t>7/1/2022</a:t>
             </a:fld>
             <a:endParaRPr lang="en-US" dirty="0"/>
           </a:p>
@@ -1072,7 +1072,7 @@
             <a:fld id="{55CE0822-83D4-4D2B-88B8-DB4BDCA90C5B}" type="datetime1">
               <a:rPr lang="en-US" smtClean="0"/>
               <a:pPr/>
-              <a:t>5/18/2022</a:t>
+              <a:t>7/1/2022</a:t>
             </a:fld>
             <a:endParaRPr lang="en-US" dirty="0"/>
           </a:p>
@@ -1278,7 +1278,7 @@
             <a:fld id="{9492DD23-19EF-47EA-B2D2-E631C66EB1EA}" type="datetime1">
               <a:rPr lang="en-US" smtClean="0"/>
               <a:pPr/>
-              <a:t>5/18/2022</a:t>
+              <a:t>7/1/2022</a:t>
             </a:fld>
             <a:endParaRPr lang="en-US" dirty="0"/>
           </a:p>
@@ -1560,7 +1560,7 @@
             <a:fld id="{ECB96A31-0DEF-48E1-9DF9-6ADE32F8B6DA}" type="datetime1">
               <a:rPr lang="en-US" smtClean="0"/>
               <a:pPr/>
-              <a:t>5/18/2022</a:t>
+              <a:t>7/1/2022</a:t>
             </a:fld>
             <a:endParaRPr lang="en-US" dirty="0"/>
           </a:p>
@@ -1834,7 +1834,7 @@
             <a:fld id="{5588B8AA-F251-499F-8A65-57992EFE84D7}" type="datetime1">
               <a:rPr lang="en-US" smtClean="0"/>
               <a:pPr/>
-              <a:t>5/18/2022</a:t>
+              <a:t>7/1/2022</a:t>
             </a:fld>
             <a:endParaRPr lang="en-US" dirty="0"/>
           </a:p>
@@ -2255,7 +2255,7 @@
             <a:fld id="{826E4984-EA23-4801-AD6D-D82D2FCD55C4}" type="datetime1">
               <a:rPr lang="en-US" smtClean="0"/>
               <a:pPr/>
-              <a:t>5/18/2022</a:t>
+              <a:t>7/1/2022</a:t>
             </a:fld>
             <a:endParaRPr lang="en-US" dirty="0"/>
           </a:p>
@@ -2403,7 +2403,7 @@
             <a:fld id="{53CE7AC2-5DE3-42C3-9A68-88D6E392E325}" type="datetime1">
               <a:rPr lang="en-US" smtClean="0"/>
               <a:pPr/>
-              <a:t>5/18/2022</a:t>
+              <a:t>7/1/2022</a:t>
             </a:fld>
             <a:endParaRPr lang="en-US" dirty="0"/>
           </a:p>
@@ -2522,7 +2522,7 @@
             <a:fld id="{8A8E7B0E-8F6C-4BFF-AE1B-95F6CDF4D6E7}" type="datetime1">
               <a:rPr lang="en-US" smtClean="0"/>
               <a:pPr/>
-              <a:t>5/18/2022</a:t>
+              <a:t>7/1/2022</a:t>
             </a:fld>
             <a:endParaRPr lang="en-US" dirty="0"/>
           </a:p>
@@ -2841,7 +2841,7 @@
             <a:fld id="{89F8ED1D-60AD-4236-84D5-31017FA15798}" type="datetime1">
               <a:rPr lang="en-US" smtClean="0"/>
               <a:pPr/>
-              <a:t>5/18/2022</a:t>
+              <a:t>7/1/2022</a:t>
             </a:fld>
             <a:endParaRPr lang="en-US" dirty="0"/>
           </a:p>
@@ -3136,7 +3136,7 @@
             <a:fld id="{8DD2FF8A-B23C-4BA2-B32B-490BB1D95ED8}" type="datetime1">
               <a:rPr lang="en-US" smtClean="0"/>
               <a:pPr/>
-              <a:t>5/18/2022</a:t>
+              <a:t>7/1/2022</a:t>
             </a:fld>
             <a:endParaRPr lang="en-US" dirty="0"/>
           </a:p>
@@ -3385,7 +3385,7 @@
             <a:fld id="{CBF9CD1E-D019-45AC-828E-8E64E6E562B4}" type="datetime1">
               <a:rPr lang="en-US" smtClean="0"/>
               <a:pPr/>
-              <a:t>5/18/2022</a:t>
+              <a:t>7/1/2022</a:t>
             </a:fld>
             <a:endParaRPr lang="en-US" dirty="0"/>
           </a:p>
@@ -4099,11 +4099,7 @@
             </a:pPr>
             <a:r>
               <a:rPr lang="en-CA"/>
-              <a:t>double </a:t>
-            </a:r>
-            <a:r>
-              <a:rPr lang="en-CA" dirty="0" err="1"/>
-              <a:t>circleArea</a:t>
+              <a:t>double getCircleArea</a:t>
             </a:r>
             <a:r>
               <a:rPr lang="en-CA" dirty="0"/>
@@ -4506,7 +4502,12 @@
             <p:ph idx="1"/>
           </p:nvPr>
         </p:nvSpPr>
-        <p:spPr/>
+        <p:spPr>
+          <a:xfrm>
+            <a:off x="838200" y="1825625"/>
+            <a:ext cx="10847522" cy="4351338"/>
+          </a:xfrm>
+        </p:spPr>
         <p:txBody>
           <a:bodyPr/>
           <a:lstStyle/>
@@ -5084,8 +5085,24 @@
             </a:pPr>
             <a:r>
               <a:rPr lang="en-CA" dirty="0"/>
-              <a:t>types of accounts</a:t>
-            </a:r>
+              <a:t>types </a:t>
+            </a:r>
+            <a:r>
+              <a:rPr lang="en-CA"/>
+              <a:t>of accounts</a:t>
+            </a:r>
+          </a:p>
+          <a:p>
+            <a:pPr>
+              <a:spcBef>
+                <a:spcPts val="0"/>
+              </a:spcBef>
+            </a:pPr>
+            <a:r>
+              <a:rPr lang="en-CA"/>
+              <a:t>headquarters branch</a:t>
+            </a:r>
+            <a:endParaRPr lang="en-CA" dirty="0"/>
           </a:p>
           <a:p>
             <a:pPr>
@@ -7414,12 +7431,9 @@
             </a:r>
             <a:r>
               <a:rPr lang="en-US"/>
-              <a:t>_BC_CAD = 15.20</a:t>
-            </a:r>
-            <a:r>
-              <a:rPr lang="en-US" dirty="0"/>
-              <a:t>;</a:t>
-            </a:r>
+              <a:t>_BC_CAD = 15.20;</a:t>
+            </a:r>
+            <a:endParaRPr lang="en-US" dirty="0"/>
           </a:p>
           <a:p>
             <a:r>
@@ -7768,7 +7782,12 @@
             <p:ph type="title"/>
           </p:nvPr>
         </p:nvSpPr>
-        <p:spPr/>
+        <p:spPr>
+          <a:xfrm>
+            <a:off x="946688" y="0"/>
+            <a:ext cx="10515600" cy="737542"/>
+          </a:xfrm>
+        </p:spPr>
         <p:txBody>
           <a:bodyPr/>
           <a:lstStyle/>
@@ -7805,8 +7824,8 @@
         </p:blipFill>
         <p:spPr>
           <a:xfrm>
-            <a:off x="838200" y="1356047"/>
-            <a:ext cx="8124016" cy="5027277"/>
+            <a:off x="411997" y="582646"/>
+            <a:ext cx="9824634" cy="6079648"/>
           </a:xfrm>
         </p:spPr>
       </p:pic>
@@ -8917,12 +8936,8 @@
               <a:buNone/>
             </a:pPr>
             <a:r>
-              <a:rPr lang="en-CA" dirty="0"/>
-              <a:t>spit("\:\|") </a:t>
-            </a:r>
-            <a:r>
               <a:rPr lang="en-CA"/>
-              <a:t>	</a:t>
+              <a:t>spit("\\|") 	</a:t>
             </a:r>
             <a:r>
               <a:rPr lang="en-CA">
@@ -9095,8 +9110,13 @@
             <a:pPr lvl="1"/>
             <a:r>
               <a:rPr lang="en-CA" dirty="0"/>
-              <a:t>if(s1.equals(s2)) 	// compares the String values, returns Boolean</a:t>
-            </a:r>
+              <a:t>if(s1.equals(s2)) 	// compares the String values, </a:t>
+            </a:r>
+            <a:r>
+              <a:rPr lang="en-CA"/>
+              <a:t>returns boolean</a:t>
+            </a:r>
+            <a:endParaRPr lang="en-CA" dirty="0"/>
           </a:p>
           <a:p>
             <a:pPr lvl="1"/>
@@ -9158,7 +9178,11 @@
             </a:r>
             <a:r>
               <a:rPr lang="en-CA" dirty="0"/>
-              <a:t> int if s2 &gt; s1; </a:t>
+              <a:t> int </a:t>
+            </a:r>
+            <a:r>
+              <a:rPr lang="en-CA"/>
+              <a:t>if s1 &lt; s2; </a:t>
             </a:r>
             <a:r>
               <a:rPr lang="en-CA" u="sng" dirty="0"/>
